--- a/joutabankut.pptx
+++ b/joutabankut.pptx
@@ -12,16 +12,16 @@
     <p:sldId id="270" r:id="rId3"/>
     <p:sldId id="257" r:id="rId4"/>
     <p:sldId id="272" r:id="rId5"/>
-    <p:sldId id="273" r:id="rId6"/>
-    <p:sldId id="258" r:id="rId7"/>
-    <p:sldId id="269" r:id="rId8"/>
-    <p:sldId id="260" r:id="rId9"/>
-    <p:sldId id="262" r:id="rId10"/>
-    <p:sldId id="263" r:id="rId11"/>
-    <p:sldId id="267" r:id="rId12"/>
-    <p:sldId id="264" r:id="rId13"/>
-    <p:sldId id="265" r:id="rId14"/>
-    <p:sldId id="266" r:id="rId15"/>
+    <p:sldId id="258" r:id="rId6"/>
+    <p:sldId id="269" r:id="rId7"/>
+    <p:sldId id="260" r:id="rId8"/>
+    <p:sldId id="262" r:id="rId9"/>
+    <p:sldId id="263" r:id="rId10"/>
+    <p:sldId id="267" r:id="rId11"/>
+    <p:sldId id="264" r:id="rId12"/>
+    <p:sldId id="265" r:id="rId13"/>
+    <p:sldId id="266" r:id="rId14"/>
+    <p:sldId id="273" r:id="rId15"/>
     <p:sldId id="268" r:id="rId16"/>
     <p:sldId id="271" r:id="rId17"/>
   </p:sldIdLst>
@@ -212,7 +212,7 @@
           <a:p>
             <a:fld id="{AAF4EB90-DAE8-44DB-9A36-1F3E26AF5A3E}" type="datetimeFigureOut">
               <a:rPr lang="en-US" smtClean="0"/>
-              <a:t>10/6/2025</a:t>
+              <a:t>10/26/2025</a:t>
             </a:fld>
             <a:endParaRPr lang="en-US"/>
           </a:p>
@@ -611,7 +611,7 @@
           <a:p>
             <a:fld id="{CB4D2C81-9A78-43C3-BC1F-A8B178CA7FAB}" type="datetimeFigureOut">
               <a:rPr lang="en-US" smtClean="0"/>
-              <a:t>10/6/2025</a:t>
+              <a:t>10/26/2025</a:t>
             </a:fld>
             <a:endParaRPr lang="en-US"/>
           </a:p>
@@ -793,7 +793,7 @@
           <a:p>
             <a:fld id="{CB4D2C81-9A78-43C3-BC1F-A8B178CA7FAB}" type="datetimeFigureOut">
               <a:rPr lang="en-US" smtClean="0"/>
-              <a:t>10/6/2025</a:t>
+              <a:t>10/26/2025</a:t>
             </a:fld>
             <a:endParaRPr lang="en-US"/>
           </a:p>
@@ -985,7 +985,7 @@
           <a:p>
             <a:fld id="{CB4D2C81-9A78-43C3-BC1F-A8B178CA7FAB}" type="datetimeFigureOut">
               <a:rPr lang="en-US" smtClean="0"/>
-              <a:t>10/6/2025</a:t>
+              <a:t>10/26/2025</a:t>
             </a:fld>
             <a:endParaRPr lang="en-US"/>
           </a:p>
@@ -1167,7 +1167,7 @@
           <a:p>
             <a:fld id="{CB4D2C81-9A78-43C3-BC1F-A8B178CA7FAB}" type="datetimeFigureOut">
               <a:rPr lang="en-US" smtClean="0"/>
-              <a:t>10/6/2025</a:t>
+              <a:t>10/26/2025</a:t>
             </a:fld>
             <a:endParaRPr lang="en-US"/>
           </a:p>
@@ -1425,7 +1425,7 @@
           <a:p>
             <a:fld id="{CB4D2C81-9A78-43C3-BC1F-A8B178CA7FAB}" type="datetimeFigureOut">
               <a:rPr lang="en-US" smtClean="0"/>
-              <a:t>10/6/2025</a:t>
+              <a:t>10/26/2025</a:t>
             </a:fld>
             <a:endParaRPr lang="en-US"/>
           </a:p>
@@ -1669,7 +1669,7 @@
           <a:p>
             <a:fld id="{CB4D2C81-9A78-43C3-BC1F-A8B178CA7FAB}" type="datetimeFigureOut">
               <a:rPr lang="en-US" smtClean="0"/>
-              <a:t>10/6/2025</a:t>
+              <a:t>10/26/2025</a:t>
             </a:fld>
             <a:endParaRPr lang="en-US"/>
           </a:p>
@@ -2048,7 +2048,7 @@
           <a:p>
             <a:fld id="{CB4D2C81-9A78-43C3-BC1F-A8B178CA7FAB}" type="datetimeFigureOut">
               <a:rPr lang="en-US" smtClean="0"/>
-              <a:t>10/6/2025</a:t>
+              <a:t>10/26/2025</a:t>
             </a:fld>
             <a:endParaRPr lang="en-US"/>
           </a:p>
@@ -2178,7 +2178,7 @@
           <a:p>
             <a:fld id="{CB4D2C81-9A78-43C3-BC1F-A8B178CA7FAB}" type="datetimeFigureOut">
               <a:rPr lang="en-US" smtClean="0"/>
-              <a:t>10/6/2025</a:t>
+              <a:t>10/26/2025</a:t>
             </a:fld>
             <a:endParaRPr lang="en-US"/>
           </a:p>
@@ -2285,7 +2285,7 @@
           <a:p>
             <a:fld id="{CB4D2C81-9A78-43C3-BC1F-A8B178CA7FAB}" type="datetimeFigureOut">
               <a:rPr lang="en-US" smtClean="0"/>
-              <a:t>10/6/2025</a:t>
+              <a:t>10/26/2025</a:t>
             </a:fld>
             <a:endParaRPr lang="en-US"/>
           </a:p>
@@ -2574,7 +2574,7 @@
           <a:p>
             <a:fld id="{CB4D2C81-9A78-43C3-BC1F-A8B178CA7FAB}" type="datetimeFigureOut">
               <a:rPr lang="en-US" smtClean="0"/>
-              <a:t>10/6/2025</a:t>
+              <a:t>10/26/2025</a:t>
             </a:fld>
             <a:endParaRPr lang="en-US"/>
           </a:p>
@@ -2839,7 +2839,7 @@
           <a:p>
             <a:fld id="{CB4D2C81-9A78-43C3-BC1F-A8B178CA7FAB}" type="datetimeFigureOut">
               <a:rPr lang="en-US" smtClean="0"/>
-              <a:t>10/6/2025</a:t>
+              <a:t>10/26/2025</a:t>
             </a:fld>
             <a:endParaRPr lang="en-US"/>
           </a:p>
@@ -3102,7 +3102,7 @@
           <a:p>
             <a:fld id="{CB4D2C81-9A78-43C3-BC1F-A8B178CA7FAB}" type="datetimeFigureOut">
               <a:rPr lang="en-US" smtClean="0"/>
-              <a:t>10/6/2025</a:t>
+              <a:t>10/26/2025</a:t>
             </a:fld>
             <a:endParaRPr lang="en-US"/>
           </a:p>
@@ -3554,10 +3554,14 @@
             </a:br>
             <a:r>
               <a:rPr lang="hu-HU" dirty="0" smtClean="0"/>
-              <a:t>Síelés határok nélkül</a:t>
-            </a:r>
-            <a:r>
-              <a:rPr lang="hu-HU" sz="4000" dirty="0" smtClean="0"/>
+              <a:t>Síelés </a:t>
+            </a:r>
+            <a:r>
+              <a:rPr lang="hu-HU" smtClean="0"/>
+              <a:t>határok nélkül!</a:t>
+            </a:r>
+            <a:r>
+              <a:rPr lang="hu-HU" sz="4000" smtClean="0"/>
               <a:t> </a:t>
             </a:r>
             <a:r>
@@ -3661,813 +3665,6 @@
           <a:p>
             <a:r>
               <a:rPr lang="hu-HU" dirty="0" smtClean="0"/>
-              <a:t>Információk</a:t>
-            </a:r>
-            <a:endParaRPr lang="en-US" dirty="0"/>
-          </a:p>
-        </p:txBody>
-      </p:sp>
-      <p:sp>
-        <p:nvSpPr>
-          <p:cNvPr id="9" name="Szövegdoboz 8"/>
-          <p:cNvSpPr txBox="1"/>
-          <p:nvPr/>
-        </p:nvSpPr>
-        <p:spPr>
-          <a:xfrm>
-            <a:off x="922712" y="1690688"/>
-            <a:ext cx="4364183" cy="2308324"/>
-          </a:xfrm>
-          <a:prstGeom prst="rect">
-            <a:avLst/>
-          </a:prstGeom>
-          <a:noFill/>
-        </p:spPr>
-        <p:txBody>
-          <a:bodyPr wrap="square" rtlCol="0">
-            <a:spAutoFit/>
-          </a:bodyPr>
-          <a:lstStyle/>
-          <a:p>
-            <a:r>
-              <a:rPr lang="hu-HU" dirty="0" smtClean="0"/>
-              <a:t>Ezen az </a:t>
-            </a:r>
-            <a:r>
-              <a:rPr lang="hu-HU" dirty="0" err="1" smtClean="0"/>
-              <a:t>aloldalon</a:t>
-            </a:r>
-            <a:r>
-              <a:rPr lang="hu-HU" dirty="0" smtClean="0"/>
-              <a:t> tájékozódhatnak az érdeklődők a szezonális információkról mint:</a:t>
-            </a:r>
-          </a:p>
-          <a:p>
-            <a:r>
-              <a:rPr lang="hu-HU" dirty="0" smtClean="0"/>
-              <a:t> </a:t>
-            </a:r>
-          </a:p>
-          <a:p>
-            <a:pPr marL="285750" indent="-285750">
-              <a:buFont typeface="Wingdings" panose="05000000000000000000" pitchFamily="2" charset="2"/>
-              <a:buChar char="ü"/>
-            </a:pPr>
-            <a:r>
-              <a:rPr lang="hu-HU" dirty="0" smtClean="0"/>
-              <a:t>Jegyárak</a:t>
-            </a:r>
-          </a:p>
-          <a:p>
-            <a:pPr marL="285750" indent="-285750">
-              <a:buFont typeface="Wingdings" panose="05000000000000000000" pitchFamily="2" charset="2"/>
-              <a:buChar char="ü"/>
-            </a:pPr>
-            <a:r>
-              <a:rPr lang="hu-HU" dirty="0" smtClean="0"/>
-              <a:t>Elérhető sípályák</a:t>
-            </a:r>
-          </a:p>
-          <a:p>
-            <a:pPr marL="285750" indent="-285750">
-              <a:buFont typeface="Wingdings" panose="05000000000000000000" pitchFamily="2" charset="2"/>
-              <a:buChar char="ü"/>
-            </a:pPr>
-            <a:r>
-              <a:rPr lang="hu-HU" dirty="0" smtClean="0"/>
-              <a:t>Sípályák adatai (nehézség, szintkülönbség stb.)</a:t>
-            </a:r>
-          </a:p>
-          <a:p>
-            <a:pPr marL="285750" indent="-285750">
-              <a:buFont typeface="Wingdings" panose="05000000000000000000" pitchFamily="2" charset="2"/>
-              <a:buChar char="ü"/>
-            </a:pPr>
-            <a:r>
-              <a:rPr lang="hu-HU" dirty="0" smtClean="0"/>
-              <a:t>Igénybe vehető felvonók</a:t>
-            </a:r>
-            <a:endParaRPr lang="en-US" dirty="0"/>
-          </a:p>
-        </p:txBody>
-      </p:sp>
-      <p:pic>
-        <p:nvPicPr>
-          <p:cNvPr id="4" name="Kép 3"/>
-          <p:cNvPicPr>
-            <a:picLocks noChangeAspect="1"/>
-          </p:cNvPicPr>
-          <p:nvPr/>
-        </p:nvPicPr>
-        <p:blipFill>
-          <a:blip r:embed="rId2"/>
-          <a:stretch>
-            <a:fillRect/>
-          </a:stretch>
-        </p:blipFill>
-        <p:spPr>
-          <a:xfrm>
-            <a:off x="5614700" y="1779822"/>
-            <a:ext cx="6283558" cy="3884382"/>
-          </a:xfrm>
-          <a:prstGeom prst="rect">
-            <a:avLst/>
-          </a:prstGeom>
-        </p:spPr>
-      </p:pic>
-    </p:spTree>
-    <p:extLst>
-      <p:ext uri="{BB962C8B-B14F-4D97-AF65-F5344CB8AC3E}">
-        <p14:creationId xmlns:p14="http://schemas.microsoft.com/office/powerpoint/2010/main" val="3646368001"/>
-      </p:ext>
-    </p:extLst>
-  </p:cSld>
-  <p:clrMapOvr>
-    <a:masterClrMapping/>
-  </p:clrMapOvr>
-  <mc:AlternateContent xmlns:mc="http://schemas.openxmlformats.org/markup-compatibility/2006" xmlns:p14="http://schemas.microsoft.com/office/powerpoint/2010/main">
-    <mc:Choice Requires="p14">
-      <p:transition spd="slow" p14:dur="2000">
-        <p:pull/>
-      </p:transition>
-    </mc:Choice>
-    <mc:Fallback xmlns="">
-      <p:transition spd="slow">
-        <p:pull/>
-      </p:transition>
-    </mc:Fallback>
-  </mc:AlternateContent>
-  <p:timing>
-    <p:tnLst>
-      <p:par>
-        <p:cTn id="1" dur="indefinite" restart="never" nodeType="tmRoot">
-          <p:childTnLst>
-            <p:seq concurrent="1" nextAc="seek">
-              <p:cTn id="2" dur="indefinite" nodeType="mainSeq">
-                <p:childTnLst>
-                  <p:par>
-                    <p:cTn id="3" fill="hold">
-                      <p:stCondLst>
-                        <p:cond delay="indefinite"/>
-                        <p:cond evt="onBegin" delay="0">
-                          <p:tn val="2"/>
-                        </p:cond>
-                      </p:stCondLst>
-                      <p:childTnLst>
-                        <p:par>
-                          <p:cTn id="4" fill="hold">
-                            <p:stCondLst>
-                              <p:cond delay="0"/>
-                            </p:stCondLst>
-                            <p:childTnLst>
-                              <p:par>
-                                <p:cTn id="5" presetID="2" presetClass="entr" presetSubtype="8" fill="hold" nodeType="withEffect">
-                                  <p:stCondLst>
-                                    <p:cond delay="500"/>
-                                  </p:stCondLst>
-                                  <p:childTnLst>
-                                    <p:set>
-                                      <p:cBhvr>
-                                        <p:cTn id="6" dur="1" fill="hold">
-                                          <p:stCondLst>
-                                            <p:cond delay="0"/>
-                                          </p:stCondLst>
-                                        </p:cTn>
-                                        <p:tgtEl>
-                                          <p:spTgt spid="9">
-                                            <p:txEl>
-                                              <p:pRg st="0" end="0"/>
-                                            </p:txEl>
-                                          </p:spTgt>
-                                        </p:tgtEl>
-                                        <p:attrNameLst>
-                                          <p:attrName>style.visibility</p:attrName>
-                                        </p:attrNameLst>
-                                      </p:cBhvr>
-                                      <p:to>
-                                        <p:strVal val="visible"/>
-                                      </p:to>
-                                    </p:set>
-                                    <p:anim calcmode="lin" valueType="num">
-                                      <p:cBhvr additive="base">
-                                        <p:cTn id="7" dur="500" fill="hold"/>
-                                        <p:tgtEl>
-                                          <p:spTgt spid="9">
-                                            <p:txEl>
-                                              <p:pRg st="0" end="0"/>
-                                            </p:txEl>
-                                          </p:spTgt>
-                                        </p:tgtEl>
-                                        <p:attrNameLst>
-                                          <p:attrName>ppt_x</p:attrName>
-                                        </p:attrNameLst>
-                                      </p:cBhvr>
-                                      <p:tavLst>
-                                        <p:tav tm="0">
-                                          <p:val>
-                                            <p:strVal val="0-#ppt_w/2"/>
-                                          </p:val>
-                                        </p:tav>
-                                        <p:tav tm="100000">
-                                          <p:val>
-                                            <p:strVal val="#ppt_x"/>
-                                          </p:val>
-                                        </p:tav>
-                                      </p:tavLst>
-                                    </p:anim>
-                                    <p:anim calcmode="lin" valueType="num">
-                                      <p:cBhvr additive="base">
-                                        <p:cTn id="8" dur="500" fill="hold"/>
-                                        <p:tgtEl>
-                                          <p:spTgt spid="9">
-                                            <p:txEl>
-                                              <p:pRg st="0" end="0"/>
-                                            </p:txEl>
-                                          </p:spTgt>
-                                        </p:tgtEl>
-                                        <p:attrNameLst>
-                                          <p:attrName>ppt_y</p:attrName>
-                                        </p:attrNameLst>
-                                      </p:cBhvr>
-                                      <p:tavLst>
-                                        <p:tav tm="0">
-                                          <p:val>
-                                            <p:strVal val="#ppt_y"/>
-                                          </p:val>
-                                        </p:tav>
-                                        <p:tav tm="100000">
-                                          <p:val>
-                                            <p:strVal val="#ppt_y"/>
-                                          </p:val>
-                                        </p:tav>
-                                      </p:tavLst>
-                                    </p:anim>
-                                  </p:childTnLst>
-                                </p:cTn>
-                              </p:par>
-                              <p:par>
-                                <p:cTn id="9" presetID="2" presetClass="entr" presetSubtype="8" fill="hold" nodeType="withEffect">
-                                  <p:stCondLst>
-                                    <p:cond delay="500"/>
-                                  </p:stCondLst>
-                                  <p:childTnLst>
-                                    <p:set>
-                                      <p:cBhvr>
-                                        <p:cTn id="10" dur="1" fill="hold">
-                                          <p:stCondLst>
-                                            <p:cond delay="0"/>
-                                          </p:stCondLst>
-                                        </p:cTn>
-                                        <p:tgtEl>
-                                          <p:spTgt spid="9">
-                                            <p:txEl>
-                                              <p:pRg st="1" end="1"/>
-                                            </p:txEl>
-                                          </p:spTgt>
-                                        </p:tgtEl>
-                                        <p:attrNameLst>
-                                          <p:attrName>style.visibility</p:attrName>
-                                        </p:attrNameLst>
-                                      </p:cBhvr>
-                                      <p:to>
-                                        <p:strVal val="visible"/>
-                                      </p:to>
-                                    </p:set>
-                                    <p:anim calcmode="lin" valueType="num">
-                                      <p:cBhvr additive="base">
-                                        <p:cTn id="11" dur="500" fill="hold"/>
-                                        <p:tgtEl>
-                                          <p:spTgt spid="9">
-                                            <p:txEl>
-                                              <p:pRg st="1" end="1"/>
-                                            </p:txEl>
-                                          </p:spTgt>
-                                        </p:tgtEl>
-                                        <p:attrNameLst>
-                                          <p:attrName>ppt_x</p:attrName>
-                                        </p:attrNameLst>
-                                      </p:cBhvr>
-                                      <p:tavLst>
-                                        <p:tav tm="0">
-                                          <p:val>
-                                            <p:strVal val="0-#ppt_w/2"/>
-                                          </p:val>
-                                        </p:tav>
-                                        <p:tav tm="100000">
-                                          <p:val>
-                                            <p:strVal val="#ppt_x"/>
-                                          </p:val>
-                                        </p:tav>
-                                      </p:tavLst>
-                                    </p:anim>
-                                    <p:anim calcmode="lin" valueType="num">
-                                      <p:cBhvr additive="base">
-                                        <p:cTn id="12" dur="500" fill="hold"/>
-                                        <p:tgtEl>
-                                          <p:spTgt spid="9">
-                                            <p:txEl>
-                                              <p:pRg st="1" end="1"/>
-                                            </p:txEl>
-                                          </p:spTgt>
-                                        </p:tgtEl>
-                                        <p:attrNameLst>
-                                          <p:attrName>ppt_y</p:attrName>
-                                        </p:attrNameLst>
-                                      </p:cBhvr>
-                                      <p:tavLst>
-                                        <p:tav tm="0">
-                                          <p:val>
-                                            <p:strVal val="#ppt_y"/>
-                                          </p:val>
-                                        </p:tav>
-                                        <p:tav tm="100000">
-                                          <p:val>
-                                            <p:strVal val="#ppt_y"/>
-                                          </p:val>
-                                        </p:tav>
-                                      </p:tavLst>
-                                    </p:anim>
-                                  </p:childTnLst>
-                                </p:cTn>
-                              </p:par>
-                              <p:par>
-                                <p:cTn id="13" presetID="2" presetClass="entr" presetSubtype="8" fill="hold" nodeType="withEffect">
-                                  <p:stCondLst>
-                                    <p:cond delay="500"/>
-                                  </p:stCondLst>
-                                  <p:childTnLst>
-                                    <p:set>
-                                      <p:cBhvr>
-                                        <p:cTn id="14" dur="1" fill="hold">
-                                          <p:stCondLst>
-                                            <p:cond delay="0"/>
-                                          </p:stCondLst>
-                                        </p:cTn>
-                                        <p:tgtEl>
-                                          <p:spTgt spid="9">
-                                            <p:txEl>
-                                              <p:pRg st="2" end="2"/>
-                                            </p:txEl>
-                                          </p:spTgt>
-                                        </p:tgtEl>
-                                        <p:attrNameLst>
-                                          <p:attrName>style.visibility</p:attrName>
-                                        </p:attrNameLst>
-                                      </p:cBhvr>
-                                      <p:to>
-                                        <p:strVal val="visible"/>
-                                      </p:to>
-                                    </p:set>
-                                    <p:anim calcmode="lin" valueType="num">
-                                      <p:cBhvr additive="base">
-                                        <p:cTn id="15" dur="500" fill="hold"/>
-                                        <p:tgtEl>
-                                          <p:spTgt spid="9">
-                                            <p:txEl>
-                                              <p:pRg st="2" end="2"/>
-                                            </p:txEl>
-                                          </p:spTgt>
-                                        </p:tgtEl>
-                                        <p:attrNameLst>
-                                          <p:attrName>ppt_x</p:attrName>
-                                        </p:attrNameLst>
-                                      </p:cBhvr>
-                                      <p:tavLst>
-                                        <p:tav tm="0">
-                                          <p:val>
-                                            <p:strVal val="0-#ppt_w/2"/>
-                                          </p:val>
-                                        </p:tav>
-                                        <p:tav tm="100000">
-                                          <p:val>
-                                            <p:strVal val="#ppt_x"/>
-                                          </p:val>
-                                        </p:tav>
-                                      </p:tavLst>
-                                    </p:anim>
-                                    <p:anim calcmode="lin" valueType="num">
-                                      <p:cBhvr additive="base">
-                                        <p:cTn id="16" dur="500" fill="hold"/>
-                                        <p:tgtEl>
-                                          <p:spTgt spid="9">
-                                            <p:txEl>
-                                              <p:pRg st="2" end="2"/>
-                                            </p:txEl>
-                                          </p:spTgt>
-                                        </p:tgtEl>
-                                        <p:attrNameLst>
-                                          <p:attrName>ppt_y</p:attrName>
-                                        </p:attrNameLst>
-                                      </p:cBhvr>
-                                      <p:tavLst>
-                                        <p:tav tm="0">
-                                          <p:val>
-                                            <p:strVal val="#ppt_y"/>
-                                          </p:val>
-                                        </p:tav>
-                                        <p:tav tm="100000">
-                                          <p:val>
-                                            <p:strVal val="#ppt_y"/>
-                                          </p:val>
-                                        </p:tav>
-                                      </p:tavLst>
-                                    </p:anim>
-                                  </p:childTnLst>
-                                </p:cTn>
-                              </p:par>
-                              <p:par>
-                                <p:cTn id="17" presetID="2" presetClass="entr" presetSubtype="8" fill="hold" nodeType="withEffect">
-                                  <p:stCondLst>
-                                    <p:cond delay="500"/>
-                                  </p:stCondLst>
-                                  <p:childTnLst>
-                                    <p:set>
-                                      <p:cBhvr>
-                                        <p:cTn id="18" dur="1" fill="hold">
-                                          <p:stCondLst>
-                                            <p:cond delay="0"/>
-                                          </p:stCondLst>
-                                        </p:cTn>
-                                        <p:tgtEl>
-                                          <p:spTgt spid="9">
-                                            <p:txEl>
-                                              <p:pRg st="3" end="3"/>
-                                            </p:txEl>
-                                          </p:spTgt>
-                                        </p:tgtEl>
-                                        <p:attrNameLst>
-                                          <p:attrName>style.visibility</p:attrName>
-                                        </p:attrNameLst>
-                                      </p:cBhvr>
-                                      <p:to>
-                                        <p:strVal val="visible"/>
-                                      </p:to>
-                                    </p:set>
-                                    <p:anim calcmode="lin" valueType="num">
-                                      <p:cBhvr additive="base">
-                                        <p:cTn id="19" dur="500" fill="hold"/>
-                                        <p:tgtEl>
-                                          <p:spTgt spid="9">
-                                            <p:txEl>
-                                              <p:pRg st="3" end="3"/>
-                                            </p:txEl>
-                                          </p:spTgt>
-                                        </p:tgtEl>
-                                        <p:attrNameLst>
-                                          <p:attrName>ppt_x</p:attrName>
-                                        </p:attrNameLst>
-                                      </p:cBhvr>
-                                      <p:tavLst>
-                                        <p:tav tm="0">
-                                          <p:val>
-                                            <p:strVal val="0-#ppt_w/2"/>
-                                          </p:val>
-                                        </p:tav>
-                                        <p:tav tm="100000">
-                                          <p:val>
-                                            <p:strVal val="#ppt_x"/>
-                                          </p:val>
-                                        </p:tav>
-                                      </p:tavLst>
-                                    </p:anim>
-                                    <p:anim calcmode="lin" valueType="num">
-                                      <p:cBhvr additive="base">
-                                        <p:cTn id="20" dur="500" fill="hold"/>
-                                        <p:tgtEl>
-                                          <p:spTgt spid="9">
-                                            <p:txEl>
-                                              <p:pRg st="3" end="3"/>
-                                            </p:txEl>
-                                          </p:spTgt>
-                                        </p:tgtEl>
-                                        <p:attrNameLst>
-                                          <p:attrName>ppt_y</p:attrName>
-                                        </p:attrNameLst>
-                                      </p:cBhvr>
-                                      <p:tavLst>
-                                        <p:tav tm="0">
-                                          <p:val>
-                                            <p:strVal val="#ppt_y"/>
-                                          </p:val>
-                                        </p:tav>
-                                        <p:tav tm="100000">
-                                          <p:val>
-                                            <p:strVal val="#ppt_y"/>
-                                          </p:val>
-                                        </p:tav>
-                                      </p:tavLst>
-                                    </p:anim>
-                                  </p:childTnLst>
-                                </p:cTn>
-                              </p:par>
-                              <p:par>
-                                <p:cTn id="21" presetID="2" presetClass="entr" presetSubtype="8" fill="hold" nodeType="withEffect">
-                                  <p:stCondLst>
-                                    <p:cond delay="500"/>
-                                  </p:stCondLst>
-                                  <p:childTnLst>
-                                    <p:set>
-                                      <p:cBhvr>
-                                        <p:cTn id="22" dur="1" fill="hold">
-                                          <p:stCondLst>
-                                            <p:cond delay="0"/>
-                                          </p:stCondLst>
-                                        </p:cTn>
-                                        <p:tgtEl>
-                                          <p:spTgt spid="9">
-                                            <p:txEl>
-                                              <p:pRg st="4" end="4"/>
-                                            </p:txEl>
-                                          </p:spTgt>
-                                        </p:tgtEl>
-                                        <p:attrNameLst>
-                                          <p:attrName>style.visibility</p:attrName>
-                                        </p:attrNameLst>
-                                      </p:cBhvr>
-                                      <p:to>
-                                        <p:strVal val="visible"/>
-                                      </p:to>
-                                    </p:set>
-                                    <p:anim calcmode="lin" valueType="num">
-                                      <p:cBhvr additive="base">
-                                        <p:cTn id="23" dur="500" fill="hold"/>
-                                        <p:tgtEl>
-                                          <p:spTgt spid="9">
-                                            <p:txEl>
-                                              <p:pRg st="4" end="4"/>
-                                            </p:txEl>
-                                          </p:spTgt>
-                                        </p:tgtEl>
-                                        <p:attrNameLst>
-                                          <p:attrName>ppt_x</p:attrName>
-                                        </p:attrNameLst>
-                                      </p:cBhvr>
-                                      <p:tavLst>
-                                        <p:tav tm="0">
-                                          <p:val>
-                                            <p:strVal val="0-#ppt_w/2"/>
-                                          </p:val>
-                                        </p:tav>
-                                        <p:tav tm="100000">
-                                          <p:val>
-                                            <p:strVal val="#ppt_x"/>
-                                          </p:val>
-                                        </p:tav>
-                                      </p:tavLst>
-                                    </p:anim>
-                                    <p:anim calcmode="lin" valueType="num">
-                                      <p:cBhvr additive="base">
-                                        <p:cTn id="24" dur="500" fill="hold"/>
-                                        <p:tgtEl>
-                                          <p:spTgt spid="9">
-                                            <p:txEl>
-                                              <p:pRg st="4" end="4"/>
-                                            </p:txEl>
-                                          </p:spTgt>
-                                        </p:tgtEl>
-                                        <p:attrNameLst>
-                                          <p:attrName>ppt_y</p:attrName>
-                                        </p:attrNameLst>
-                                      </p:cBhvr>
-                                      <p:tavLst>
-                                        <p:tav tm="0">
-                                          <p:val>
-                                            <p:strVal val="#ppt_y"/>
-                                          </p:val>
-                                        </p:tav>
-                                        <p:tav tm="100000">
-                                          <p:val>
-                                            <p:strVal val="#ppt_y"/>
-                                          </p:val>
-                                        </p:tav>
-                                      </p:tavLst>
-                                    </p:anim>
-                                  </p:childTnLst>
-                                </p:cTn>
-                              </p:par>
-                              <p:par>
-                                <p:cTn id="25" presetID="2" presetClass="entr" presetSubtype="8" fill="hold" nodeType="withEffect">
-                                  <p:stCondLst>
-                                    <p:cond delay="500"/>
-                                  </p:stCondLst>
-                                  <p:childTnLst>
-                                    <p:set>
-                                      <p:cBhvr>
-                                        <p:cTn id="26" dur="1" fill="hold">
-                                          <p:stCondLst>
-                                            <p:cond delay="0"/>
-                                          </p:stCondLst>
-                                        </p:cTn>
-                                        <p:tgtEl>
-                                          <p:spTgt spid="9">
-                                            <p:txEl>
-                                              <p:pRg st="5" end="5"/>
-                                            </p:txEl>
-                                          </p:spTgt>
-                                        </p:tgtEl>
-                                        <p:attrNameLst>
-                                          <p:attrName>style.visibility</p:attrName>
-                                        </p:attrNameLst>
-                                      </p:cBhvr>
-                                      <p:to>
-                                        <p:strVal val="visible"/>
-                                      </p:to>
-                                    </p:set>
-                                    <p:anim calcmode="lin" valueType="num">
-                                      <p:cBhvr additive="base">
-                                        <p:cTn id="27" dur="500" fill="hold"/>
-                                        <p:tgtEl>
-                                          <p:spTgt spid="9">
-                                            <p:txEl>
-                                              <p:pRg st="5" end="5"/>
-                                            </p:txEl>
-                                          </p:spTgt>
-                                        </p:tgtEl>
-                                        <p:attrNameLst>
-                                          <p:attrName>ppt_x</p:attrName>
-                                        </p:attrNameLst>
-                                      </p:cBhvr>
-                                      <p:tavLst>
-                                        <p:tav tm="0">
-                                          <p:val>
-                                            <p:strVal val="0-#ppt_w/2"/>
-                                          </p:val>
-                                        </p:tav>
-                                        <p:tav tm="100000">
-                                          <p:val>
-                                            <p:strVal val="#ppt_x"/>
-                                          </p:val>
-                                        </p:tav>
-                                      </p:tavLst>
-                                    </p:anim>
-                                    <p:anim calcmode="lin" valueType="num">
-                                      <p:cBhvr additive="base">
-                                        <p:cTn id="28" dur="500" fill="hold"/>
-                                        <p:tgtEl>
-                                          <p:spTgt spid="9">
-                                            <p:txEl>
-                                              <p:pRg st="5" end="5"/>
-                                            </p:txEl>
-                                          </p:spTgt>
-                                        </p:tgtEl>
-                                        <p:attrNameLst>
-                                          <p:attrName>ppt_y</p:attrName>
-                                        </p:attrNameLst>
-                                      </p:cBhvr>
-                                      <p:tavLst>
-                                        <p:tav tm="0">
-                                          <p:val>
-                                            <p:strVal val="#ppt_y"/>
-                                          </p:val>
-                                        </p:tav>
-                                        <p:tav tm="100000">
-                                          <p:val>
-                                            <p:strVal val="#ppt_y"/>
-                                          </p:val>
-                                        </p:tav>
-                                      </p:tavLst>
-                                    </p:anim>
-                                  </p:childTnLst>
-                                </p:cTn>
-                              </p:par>
-                              <p:par>
-                                <p:cTn id="29" presetID="2" presetClass="entr" presetSubtype="2" fill="hold" nodeType="withEffect">
-                                  <p:stCondLst>
-                                    <p:cond delay="500"/>
-                                  </p:stCondLst>
-                                  <p:childTnLst>
-                                    <p:set>
-                                      <p:cBhvr>
-                                        <p:cTn id="30" dur="1" fill="hold">
-                                          <p:stCondLst>
-                                            <p:cond delay="0"/>
-                                          </p:stCondLst>
-                                        </p:cTn>
-                                        <p:tgtEl>
-                                          <p:spTgt spid="4"/>
-                                        </p:tgtEl>
-                                        <p:attrNameLst>
-                                          <p:attrName>style.visibility</p:attrName>
-                                        </p:attrNameLst>
-                                      </p:cBhvr>
-                                      <p:to>
-                                        <p:strVal val="visible"/>
-                                      </p:to>
-                                    </p:set>
-                                    <p:anim calcmode="lin" valueType="num">
-                                      <p:cBhvr additive="base">
-                                        <p:cTn id="31" dur="500" fill="hold"/>
-                                        <p:tgtEl>
-                                          <p:spTgt spid="4"/>
-                                        </p:tgtEl>
-                                        <p:attrNameLst>
-                                          <p:attrName>ppt_x</p:attrName>
-                                        </p:attrNameLst>
-                                      </p:cBhvr>
-                                      <p:tavLst>
-                                        <p:tav tm="0">
-                                          <p:val>
-                                            <p:strVal val="1+#ppt_w/2"/>
-                                          </p:val>
-                                        </p:tav>
-                                        <p:tav tm="100000">
-                                          <p:val>
-                                            <p:strVal val="#ppt_x"/>
-                                          </p:val>
-                                        </p:tav>
-                                      </p:tavLst>
-                                    </p:anim>
-                                    <p:anim calcmode="lin" valueType="num">
-                                      <p:cBhvr additive="base">
-                                        <p:cTn id="32" dur="500" fill="hold"/>
-                                        <p:tgtEl>
-                                          <p:spTgt spid="4"/>
-                                        </p:tgtEl>
-                                        <p:attrNameLst>
-                                          <p:attrName>ppt_y</p:attrName>
-                                        </p:attrNameLst>
-                                      </p:cBhvr>
-                                      <p:tavLst>
-                                        <p:tav tm="0">
-                                          <p:val>
-                                            <p:strVal val="#ppt_y"/>
-                                          </p:val>
-                                        </p:tav>
-                                        <p:tav tm="100000">
-                                          <p:val>
-                                            <p:strVal val="#ppt_y"/>
-                                          </p:val>
-                                        </p:tav>
-                                      </p:tavLst>
-                                    </p:anim>
-                                  </p:childTnLst>
-                                </p:cTn>
-                              </p:par>
-                            </p:childTnLst>
-                          </p:cTn>
-                        </p:par>
-                      </p:childTnLst>
-                    </p:cTn>
-                  </p:par>
-                </p:childTnLst>
-              </p:cTn>
-              <p:prevCondLst>
-                <p:cond evt="onPrev" delay="0">
-                  <p:tgtEl>
-                    <p:sldTgt/>
-                  </p:tgtEl>
-                </p:cond>
-              </p:prevCondLst>
-              <p:nextCondLst>
-                <p:cond evt="onNext" delay="0">
-                  <p:tgtEl>
-                    <p:sldTgt/>
-                  </p:tgtEl>
-                </p:cond>
-              </p:nextCondLst>
-            </p:seq>
-          </p:childTnLst>
-        </p:cTn>
-      </p:par>
-    </p:tnLst>
-  </p:timing>
-</p:sld>
-</file>
-
-<file path=ppt/slides/slide11.xml><?xml version="1.0" encoding="utf-8"?>
-<p:sld xmlns:a="http://schemas.openxmlformats.org/drawingml/2006/main" xmlns:r="http://schemas.openxmlformats.org/officeDocument/2006/relationships" xmlns:p="http://schemas.openxmlformats.org/presentationml/2006/main">
-  <p:cSld>
-    <p:spTree>
-      <p:nvGrpSpPr>
-        <p:cNvPr id="1" name=""/>
-        <p:cNvGrpSpPr/>
-        <p:nvPr/>
-      </p:nvGrpSpPr>
-      <p:grpSpPr>
-        <a:xfrm>
-          <a:off x="0" y="0"/>
-          <a:ext cx="0" cy="0"/>
-          <a:chOff x="0" y="0"/>
-          <a:chExt cx="0" cy="0"/>
-        </a:xfrm>
-      </p:grpSpPr>
-      <p:sp>
-        <p:nvSpPr>
-          <p:cNvPr id="2" name="Cím 1"/>
-          <p:cNvSpPr>
-            <a:spLocks noGrp="1"/>
-          </p:cNvSpPr>
-          <p:nvPr>
-            <p:ph type="title"/>
-          </p:nvPr>
-        </p:nvSpPr>
-        <p:spPr/>
-        <p:txBody>
-          <a:bodyPr/>
-          <a:lstStyle/>
-          <a:p>
-            <a:r>
-              <a:rPr lang="hu-HU" dirty="0" smtClean="0"/>
               <a:t>Fiók és Felhasználói beállítások</a:t>
             </a:r>
             <a:endParaRPr lang="en-US" dirty="0"/>
@@ -5152,7 +4349,7 @@
 </p:sld>
 </file>
 
-<file path=ppt/slides/slide12.xml><?xml version="1.0" encoding="utf-8"?>
+<file path=ppt/slides/slide11.xml><?xml version="1.0" encoding="utf-8"?>
 <p:sld xmlns:a="http://schemas.openxmlformats.org/drawingml/2006/main" xmlns:r="http://schemas.openxmlformats.org/officeDocument/2006/relationships" xmlns:p="http://schemas.openxmlformats.org/presentationml/2006/main">
   <p:cSld>
     <p:spTree>
@@ -5224,15 +4421,7 @@
             </a:pPr>
             <a:r>
               <a:rPr lang="hu-HU" sz="1800" dirty="0" smtClean="0"/>
-              <a:t>A gyorsabb kapcsolatfelvétel érdekében a weboldalon </a:t>
-            </a:r>
-            <a:r>
-              <a:rPr lang="hu-HU" sz="1800" dirty="0" smtClean="0"/>
-              <a:t>több </a:t>
-            </a:r>
-            <a:r>
-              <a:rPr lang="hu-HU" sz="1800" dirty="0" smtClean="0"/>
-              <a:t>helyen is megtalálhatók elérhetőségi információk: </a:t>
+              <a:t>A gyorsabb kapcsolatfelvétel érdekében a weboldalon több helyen is megtalálhatók elérhetőségi információk: </a:t>
             </a:r>
           </a:p>
           <a:p>
@@ -5242,13 +4431,8 @@
             </a:pPr>
             <a:r>
               <a:rPr lang="hu-HU" sz="1800" dirty="0" smtClean="0"/>
-              <a:t>Kezdőképernyőn </a:t>
-            </a:r>
-            <a:r>
-              <a:rPr lang="hu-HU" sz="1800" dirty="0" smtClean="0"/>
-              <a:t>a fejléc részben</a:t>
-            </a:r>
-            <a:endParaRPr lang="hu-HU" sz="1800" dirty="0" smtClean="0"/>
+              <a:t>Kezdőképernyőn a fejléc részben</a:t>
+            </a:r>
           </a:p>
           <a:p>
             <a:pPr>
@@ -5790,7 +4974,7 @@
 </p:sld>
 </file>
 
-<file path=ppt/slides/slide13.xml><?xml version="1.0" encoding="utf-8"?>
+<file path=ppt/slides/slide12.xml><?xml version="1.0" encoding="utf-8"?>
 <p:sld xmlns:a="http://schemas.openxmlformats.org/drawingml/2006/main" xmlns:r="http://schemas.openxmlformats.org/officeDocument/2006/relationships" xmlns:p="http://schemas.openxmlformats.org/presentationml/2006/main">
   <p:cSld>
     <p:spTree>
@@ -6137,7 +5321,7 @@
 </p:sld>
 </file>
 
-<file path=ppt/slides/slide14.xml><?xml version="1.0" encoding="utf-8"?>
+<file path=ppt/slides/slide13.xml><?xml version="1.0" encoding="utf-8"?>
 <p:sld xmlns:a="http://schemas.openxmlformats.org/drawingml/2006/main" xmlns:r="http://schemas.openxmlformats.org/officeDocument/2006/relationships" xmlns:p="http://schemas.openxmlformats.org/presentationml/2006/main">
   <p:cSld>
     <p:spTree>
@@ -6317,6 +5501,337 @@
                                 <p:cTn id="5" presetID="42" presetClass="entr" presetSubtype="0" fill="hold" nodeType="afterEffect">
                                   <p:stCondLst>
                                     <p:cond delay="1000"/>
+                                  </p:stCondLst>
+                                  <p:childTnLst>
+                                    <p:set>
+                                      <p:cBhvr>
+                                        <p:cTn id="6" dur="1" fill="hold">
+                                          <p:stCondLst>
+                                            <p:cond delay="0"/>
+                                          </p:stCondLst>
+                                        </p:cTn>
+                                        <p:tgtEl>
+                                          <p:spTgt spid="4"/>
+                                        </p:tgtEl>
+                                        <p:attrNameLst>
+                                          <p:attrName>style.visibility</p:attrName>
+                                        </p:attrNameLst>
+                                      </p:cBhvr>
+                                      <p:to>
+                                        <p:strVal val="visible"/>
+                                      </p:to>
+                                    </p:set>
+                                    <p:animEffect transition="in" filter="fade">
+                                      <p:cBhvr>
+                                        <p:cTn id="7" dur="1000"/>
+                                        <p:tgtEl>
+                                          <p:spTgt spid="4"/>
+                                        </p:tgtEl>
+                                      </p:cBhvr>
+                                    </p:animEffect>
+                                    <p:anim calcmode="lin" valueType="num">
+                                      <p:cBhvr>
+                                        <p:cTn id="8" dur="1000" fill="hold"/>
+                                        <p:tgtEl>
+                                          <p:spTgt spid="4"/>
+                                        </p:tgtEl>
+                                        <p:attrNameLst>
+                                          <p:attrName>ppt_x</p:attrName>
+                                        </p:attrNameLst>
+                                      </p:cBhvr>
+                                      <p:tavLst>
+                                        <p:tav tm="0">
+                                          <p:val>
+                                            <p:strVal val="#ppt_x"/>
+                                          </p:val>
+                                        </p:tav>
+                                        <p:tav tm="100000">
+                                          <p:val>
+                                            <p:strVal val="#ppt_x"/>
+                                          </p:val>
+                                        </p:tav>
+                                      </p:tavLst>
+                                    </p:anim>
+                                    <p:anim calcmode="lin" valueType="num">
+                                      <p:cBhvr>
+                                        <p:cTn id="9" dur="1000" fill="hold"/>
+                                        <p:tgtEl>
+                                          <p:spTgt spid="4"/>
+                                        </p:tgtEl>
+                                        <p:attrNameLst>
+                                          <p:attrName>ppt_y</p:attrName>
+                                        </p:attrNameLst>
+                                      </p:cBhvr>
+                                      <p:tavLst>
+                                        <p:tav tm="0">
+                                          <p:val>
+                                            <p:strVal val="#ppt_y+.1"/>
+                                          </p:val>
+                                        </p:tav>
+                                        <p:tav tm="100000">
+                                          <p:val>
+                                            <p:strVal val="#ppt_y"/>
+                                          </p:val>
+                                        </p:tav>
+                                      </p:tavLst>
+                                    </p:anim>
+                                  </p:childTnLst>
+                                </p:cTn>
+                              </p:par>
+                            </p:childTnLst>
+                          </p:cTn>
+                        </p:par>
+                      </p:childTnLst>
+                    </p:cTn>
+                  </p:par>
+                </p:childTnLst>
+              </p:cTn>
+              <p:prevCondLst>
+                <p:cond evt="onPrev" delay="0">
+                  <p:tgtEl>
+                    <p:sldTgt/>
+                  </p:tgtEl>
+                </p:cond>
+              </p:prevCondLst>
+              <p:nextCondLst>
+                <p:cond evt="onNext" delay="0">
+                  <p:tgtEl>
+                    <p:sldTgt/>
+                  </p:tgtEl>
+                </p:cond>
+              </p:nextCondLst>
+            </p:seq>
+          </p:childTnLst>
+        </p:cTn>
+      </p:par>
+    </p:tnLst>
+  </p:timing>
+</p:sld>
+</file>
+
+<file path=ppt/slides/slide14.xml><?xml version="1.0" encoding="utf-8"?>
+<p:sld xmlns:a="http://schemas.openxmlformats.org/drawingml/2006/main" xmlns:r="http://schemas.openxmlformats.org/officeDocument/2006/relationships" xmlns:p="http://schemas.openxmlformats.org/presentationml/2006/main">
+  <p:cSld>
+    <p:spTree>
+      <p:nvGrpSpPr>
+        <p:cNvPr id="1" name=""/>
+        <p:cNvGrpSpPr/>
+        <p:nvPr/>
+      </p:nvGrpSpPr>
+      <p:grpSpPr>
+        <a:xfrm>
+          <a:off x="0" y="0"/>
+          <a:ext cx="0" cy="0"/>
+          <a:chOff x="0" y="0"/>
+          <a:chExt cx="0" cy="0"/>
+        </a:xfrm>
+      </p:grpSpPr>
+      <p:sp>
+        <p:nvSpPr>
+          <p:cNvPr id="2" name="Cím 1"/>
+          <p:cNvSpPr>
+            <a:spLocks noGrp="1"/>
+          </p:cNvSpPr>
+          <p:nvPr>
+            <p:ph type="ctrTitle"/>
+          </p:nvPr>
+        </p:nvSpPr>
+        <p:spPr>
+          <a:xfrm>
+            <a:off x="1524000" y="836762"/>
+            <a:ext cx="9144000" cy="654620"/>
+          </a:xfrm>
+        </p:spPr>
+        <p:txBody>
+          <a:bodyPr/>
+          <a:lstStyle/>
+          <a:p>
+            <a:pPr algn="l"/>
+            <a:r>
+              <a:rPr lang="hu-HU" sz="4000" dirty="0" smtClean="0"/>
+              <a:t>Munkamegosztás</a:t>
+            </a:r>
+            <a:endParaRPr lang="en-US" sz="4000" dirty="0"/>
+          </a:p>
+        </p:txBody>
+      </p:sp>
+      <p:sp>
+        <p:nvSpPr>
+          <p:cNvPr id="3" name="Alcím 2"/>
+          <p:cNvSpPr>
+            <a:spLocks noGrp="1"/>
+          </p:cNvSpPr>
+          <p:nvPr>
+            <p:ph type="subTitle" idx="1"/>
+          </p:nvPr>
+        </p:nvSpPr>
+        <p:spPr>
+          <a:xfrm>
+            <a:off x="1524000" y="1686974"/>
+            <a:ext cx="9144000" cy="1655762"/>
+          </a:xfrm>
+        </p:spPr>
+        <p:txBody>
+          <a:bodyPr>
+            <a:normAutofit lnSpcReduction="10000"/>
+          </a:bodyPr>
+          <a:lstStyle/>
+          <a:p>
+            <a:r>
+              <a:rPr lang="hu-HU" dirty="0" smtClean="0"/>
+              <a:t>Mester Ildikó: </a:t>
+            </a:r>
+            <a:r>
+              <a:rPr lang="hu-HU" dirty="0" smtClean="0"/>
+              <a:t>Média szerkesztés </a:t>
+            </a:r>
+            <a:r>
+              <a:rPr lang="hu-HU" dirty="0" smtClean="0"/>
+              <a:t>és </a:t>
+            </a:r>
+            <a:r>
+              <a:rPr lang="hu-HU" dirty="0" smtClean="0"/>
+              <a:t>kép- videók </a:t>
+            </a:r>
+            <a:r>
+              <a:rPr lang="hu-HU" dirty="0" smtClean="0"/>
+              <a:t>beszerzése</a:t>
+            </a:r>
+          </a:p>
+          <a:p>
+            <a:r>
+              <a:rPr lang="hu-HU" dirty="0" smtClean="0"/>
+              <a:t>Szegedi Csaba: </a:t>
+            </a:r>
+            <a:r>
+              <a:rPr lang="hu-HU" dirty="0" smtClean="0"/>
+              <a:t>Oldal </a:t>
+            </a:r>
+            <a:r>
+              <a:rPr lang="hu-HU" dirty="0" smtClean="0"/>
+              <a:t>létrehozása, </a:t>
+            </a:r>
+            <a:r>
+              <a:rPr lang="hu-HU" dirty="0" err="1" smtClean="0"/>
+              <a:t>pluginek</a:t>
+            </a:r>
+            <a:r>
+              <a:rPr lang="hu-HU" dirty="0" smtClean="0"/>
+              <a:t> kezelése, oldal szerkesztése</a:t>
+            </a:r>
+          </a:p>
+          <a:p>
+            <a:r>
+              <a:rPr lang="hu-HU" dirty="0" smtClean="0"/>
+              <a:t>Szederkényi Péter: </a:t>
+            </a:r>
+            <a:r>
+              <a:rPr lang="hu-HU" dirty="0"/>
+              <a:t>Ö</a:t>
+            </a:r>
+            <a:r>
+              <a:rPr lang="hu-HU" dirty="0" smtClean="0"/>
+              <a:t>tletgazda</a:t>
+            </a:r>
+            <a:r>
+              <a:rPr lang="hu-HU" dirty="0" smtClean="0"/>
+              <a:t>, oldal </a:t>
+            </a:r>
+            <a:r>
+              <a:rPr lang="hu-HU" dirty="0" smtClean="0"/>
+              <a:t>szerkesztése: </a:t>
+            </a:r>
+            <a:r>
+              <a:rPr lang="hu-HU" dirty="0" err="1" smtClean="0"/>
+              <a:t>főoldal</a:t>
+            </a:r>
+            <a:r>
+              <a:rPr lang="hu-HU" dirty="0" smtClean="0"/>
+              <a:t>, lábléc és blog oldalak</a:t>
+            </a:r>
+            <a:endParaRPr lang="en-US" dirty="0"/>
+          </a:p>
+        </p:txBody>
+      </p:sp>
+      <p:pic>
+        <p:nvPicPr>
+          <p:cNvPr id="4" name="Kép 3"/>
+          <p:cNvPicPr>
+            <a:picLocks noChangeAspect="1"/>
+          </p:cNvPicPr>
+          <p:nvPr/>
+        </p:nvPicPr>
+        <p:blipFill>
+          <a:blip r:embed="rId2" cstate="print">
+            <a:extLst>
+              <a:ext uri="{28A0092B-C50C-407E-A947-70E740481C1C}">
+                <a14:useLocalDpi xmlns:a14="http://schemas.microsoft.com/office/drawing/2010/main" val="0"/>
+              </a:ext>
+            </a:extLst>
+          </a:blip>
+          <a:stretch>
+            <a:fillRect/>
+          </a:stretch>
+        </p:blipFill>
+        <p:spPr>
+          <a:xfrm>
+            <a:off x="4400190" y="3223805"/>
+            <a:ext cx="3391619" cy="3391619"/>
+          </a:xfrm>
+          <a:prstGeom prst="rect">
+            <a:avLst/>
+          </a:prstGeom>
+        </p:spPr>
+      </p:pic>
+    </p:spTree>
+    <p:extLst>
+      <p:ext uri="{BB962C8B-B14F-4D97-AF65-F5344CB8AC3E}">
+        <p14:creationId xmlns:p14="http://schemas.microsoft.com/office/powerpoint/2010/main" val="2540364318"/>
+      </p:ext>
+    </p:extLst>
+  </p:cSld>
+  <p:clrMapOvr>
+    <a:masterClrMapping/>
+  </p:clrMapOvr>
+  <mc:AlternateContent xmlns:mc="http://schemas.openxmlformats.org/markup-compatibility/2006" xmlns:p14="http://schemas.microsoft.com/office/powerpoint/2010/main">
+    <mc:Choice Requires="p14">
+      <p:transition spd="slow" p14:dur="2000">
+        <p:pull/>
+      </p:transition>
+    </mc:Choice>
+    <mc:Fallback xmlns="">
+      <p:transition spd="slow">
+        <p:pull/>
+      </p:transition>
+    </mc:Fallback>
+  </mc:AlternateContent>
+  <p:timing>
+    <p:tnLst>
+      <p:par>
+        <p:cTn id="1" dur="indefinite" restart="never" nodeType="tmRoot">
+          <p:childTnLst>
+            <p:seq concurrent="1" nextAc="seek">
+              <p:cTn id="2" dur="indefinite" nodeType="mainSeq">
+                <p:childTnLst>
+                  <p:par>
+                    <p:cTn id="3" fill="hold">
+                      <p:stCondLst>
+                        <p:cond delay="indefinite"/>
+                        <p:cond evt="onBegin" delay="0">
+                          <p:tn val="2"/>
+                        </p:cond>
+                      </p:stCondLst>
+                      <p:childTnLst>
+                        <p:par>
+                          <p:cTn id="4" fill="hold">
+                            <p:stCondLst>
+                              <p:cond delay="0"/>
+                            </p:stCondLst>
+                            <p:childTnLst>
+                              <p:par>
+                                <p:cTn id="5" presetID="42" presetClass="entr" presetSubtype="0" fill="hold" nodeType="afterEffect">
+                                  <p:stCondLst>
+                                    <p:cond delay="500"/>
                                   </p:stCondLst>
                                   <p:childTnLst>
                                     <p:set>
@@ -8025,287 +7540,6 @@
             <a:spLocks noGrp="1"/>
           </p:cNvSpPr>
           <p:nvPr>
-            <p:ph type="ctrTitle"/>
-          </p:nvPr>
-        </p:nvSpPr>
-        <p:spPr>
-          <a:xfrm>
-            <a:off x="1524000" y="836762"/>
-            <a:ext cx="9144000" cy="654620"/>
-          </a:xfrm>
-        </p:spPr>
-        <p:txBody>
-          <a:bodyPr/>
-          <a:lstStyle/>
-          <a:p>
-            <a:pPr algn="l"/>
-            <a:r>
-              <a:rPr lang="hu-HU" sz="4000" dirty="0" smtClean="0"/>
-              <a:t>Munkamegosztás</a:t>
-            </a:r>
-            <a:endParaRPr lang="en-US" sz="4000" dirty="0"/>
-          </a:p>
-        </p:txBody>
-      </p:sp>
-      <p:sp>
-        <p:nvSpPr>
-          <p:cNvPr id="3" name="Alcím 2"/>
-          <p:cNvSpPr>
-            <a:spLocks noGrp="1"/>
-          </p:cNvSpPr>
-          <p:nvPr>
-            <p:ph type="subTitle" idx="1"/>
-          </p:nvPr>
-        </p:nvSpPr>
-        <p:spPr>
-          <a:xfrm>
-            <a:off x="1524000" y="1686974"/>
-            <a:ext cx="9144000" cy="1655762"/>
-          </a:xfrm>
-        </p:spPr>
-        <p:txBody>
-          <a:bodyPr/>
-          <a:lstStyle/>
-          <a:p>
-            <a:r>
-              <a:rPr lang="hu-HU" dirty="0" smtClean="0"/>
-              <a:t>Mester Ildikó: szerkesztés és képanyag beszerzése</a:t>
-            </a:r>
-          </a:p>
-          <a:p>
-            <a:r>
-              <a:rPr lang="hu-HU" dirty="0" smtClean="0"/>
-              <a:t>Szegedi Csaba: oldal létrehozása, </a:t>
-            </a:r>
-            <a:r>
-              <a:rPr lang="hu-HU" dirty="0" err="1" smtClean="0"/>
-              <a:t>pluginek</a:t>
-            </a:r>
-            <a:r>
-              <a:rPr lang="hu-HU" dirty="0" smtClean="0"/>
-              <a:t> kezelése, oldal szerkesztése</a:t>
-            </a:r>
-          </a:p>
-          <a:p>
-            <a:r>
-              <a:rPr lang="hu-HU" dirty="0" smtClean="0"/>
-              <a:t>Szederkényi Péter: ötletgazda, oldal szerkesztése</a:t>
-            </a:r>
-            <a:endParaRPr lang="en-US" dirty="0"/>
-          </a:p>
-        </p:txBody>
-      </p:sp>
-      <p:pic>
-        <p:nvPicPr>
-          <p:cNvPr id="4" name="Kép 3"/>
-          <p:cNvPicPr>
-            <a:picLocks noChangeAspect="1"/>
-          </p:cNvPicPr>
-          <p:nvPr/>
-        </p:nvPicPr>
-        <p:blipFill>
-          <a:blip r:embed="rId2" cstate="print">
-            <a:extLst>
-              <a:ext uri="{28A0092B-C50C-407E-A947-70E740481C1C}">
-                <a14:useLocalDpi xmlns:a14="http://schemas.microsoft.com/office/drawing/2010/main" val="0"/>
-              </a:ext>
-            </a:extLst>
-          </a:blip>
-          <a:stretch>
-            <a:fillRect/>
-          </a:stretch>
-        </p:blipFill>
-        <p:spPr>
-          <a:xfrm>
-            <a:off x="4028535" y="3242093"/>
-            <a:ext cx="3391619" cy="3391619"/>
-          </a:xfrm>
-          <a:prstGeom prst="rect">
-            <a:avLst/>
-          </a:prstGeom>
-        </p:spPr>
-      </p:pic>
-    </p:spTree>
-    <p:extLst>
-      <p:ext uri="{BB962C8B-B14F-4D97-AF65-F5344CB8AC3E}">
-        <p14:creationId xmlns:p14="http://schemas.microsoft.com/office/powerpoint/2010/main" val="2540364318"/>
-      </p:ext>
-    </p:extLst>
-  </p:cSld>
-  <p:clrMapOvr>
-    <a:masterClrMapping/>
-  </p:clrMapOvr>
-  <mc:AlternateContent xmlns:mc="http://schemas.openxmlformats.org/markup-compatibility/2006" xmlns:p14="http://schemas.microsoft.com/office/powerpoint/2010/main">
-    <mc:Choice Requires="p14">
-      <p:transition spd="slow" p14:dur="2000">
-        <p:pull/>
-      </p:transition>
-    </mc:Choice>
-    <mc:Fallback xmlns="">
-      <p:transition spd="slow">
-        <p:pull/>
-      </p:transition>
-    </mc:Fallback>
-  </mc:AlternateContent>
-  <p:timing>
-    <p:tnLst>
-      <p:par>
-        <p:cTn id="1" dur="indefinite" restart="never" nodeType="tmRoot">
-          <p:childTnLst>
-            <p:seq concurrent="1" nextAc="seek">
-              <p:cTn id="2" dur="indefinite" nodeType="mainSeq">
-                <p:childTnLst>
-                  <p:par>
-                    <p:cTn id="3" fill="hold">
-                      <p:stCondLst>
-                        <p:cond delay="indefinite"/>
-                        <p:cond evt="onBegin" delay="0">
-                          <p:tn val="2"/>
-                        </p:cond>
-                      </p:stCondLst>
-                      <p:childTnLst>
-                        <p:par>
-                          <p:cTn id="4" fill="hold">
-                            <p:stCondLst>
-                              <p:cond delay="0"/>
-                            </p:stCondLst>
-                            <p:childTnLst>
-                              <p:par>
-                                <p:cTn id="5" presetID="42" presetClass="entr" presetSubtype="0" fill="hold" nodeType="afterEffect">
-                                  <p:stCondLst>
-                                    <p:cond delay="500"/>
-                                  </p:stCondLst>
-                                  <p:childTnLst>
-                                    <p:set>
-                                      <p:cBhvr>
-                                        <p:cTn id="6" dur="1" fill="hold">
-                                          <p:stCondLst>
-                                            <p:cond delay="0"/>
-                                          </p:stCondLst>
-                                        </p:cTn>
-                                        <p:tgtEl>
-                                          <p:spTgt spid="4"/>
-                                        </p:tgtEl>
-                                        <p:attrNameLst>
-                                          <p:attrName>style.visibility</p:attrName>
-                                        </p:attrNameLst>
-                                      </p:cBhvr>
-                                      <p:to>
-                                        <p:strVal val="visible"/>
-                                      </p:to>
-                                    </p:set>
-                                    <p:animEffect transition="in" filter="fade">
-                                      <p:cBhvr>
-                                        <p:cTn id="7" dur="1000"/>
-                                        <p:tgtEl>
-                                          <p:spTgt spid="4"/>
-                                        </p:tgtEl>
-                                      </p:cBhvr>
-                                    </p:animEffect>
-                                    <p:anim calcmode="lin" valueType="num">
-                                      <p:cBhvr>
-                                        <p:cTn id="8" dur="1000" fill="hold"/>
-                                        <p:tgtEl>
-                                          <p:spTgt spid="4"/>
-                                        </p:tgtEl>
-                                        <p:attrNameLst>
-                                          <p:attrName>ppt_x</p:attrName>
-                                        </p:attrNameLst>
-                                      </p:cBhvr>
-                                      <p:tavLst>
-                                        <p:tav tm="0">
-                                          <p:val>
-                                            <p:strVal val="#ppt_x"/>
-                                          </p:val>
-                                        </p:tav>
-                                        <p:tav tm="100000">
-                                          <p:val>
-                                            <p:strVal val="#ppt_x"/>
-                                          </p:val>
-                                        </p:tav>
-                                      </p:tavLst>
-                                    </p:anim>
-                                    <p:anim calcmode="lin" valueType="num">
-                                      <p:cBhvr>
-                                        <p:cTn id="9" dur="1000" fill="hold"/>
-                                        <p:tgtEl>
-                                          <p:spTgt spid="4"/>
-                                        </p:tgtEl>
-                                        <p:attrNameLst>
-                                          <p:attrName>ppt_y</p:attrName>
-                                        </p:attrNameLst>
-                                      </p:cBhvr>
-                                      <p:tavLst>
-                                        <p:tav tm="0">
-                                          <p:val>
-                                            <p:strVal val="#ppt_y+.1"/>
-                                          </p:val>
-                                        </p:tav>
-                                        <p:tav tm="100000">
-                                          <p:val>
-                                            <p:strVal val="#ppt_y"/>
-                                          </p:val>
-                                        </p:tav>
-                                      </p:tavLst>
-                                    </p:anim>
-                                  </p:childTnLst>
-                                </p:cTn>
-                              </p:par>
-                            </p:childTnLst>
-                          </p:cTn>
-                        </p:par>
-                      </p:childTnLst>
-                    </p:cTn>
-                  </p:par>
-                </p:childTnLst>
-              </p:cTn>
-              <p:prevCondLst>
-                <p:cond evt="onPrev" delay="0">
-                  <p:tgtEl>
-                    <p:sldTgt/>
-                  </p:tgtEl>
-                </p:cond>
-              </p:prevCondLst>
-              <p:nextCondLst>
-                <p:cond evt="onNext" delay="0">
-                  <p:tgtEl>
-                    <p:sldTgt/>
-                  </p:tgtEl>
-                </p:cond>
-              </p:nextCondLst>
-            </p:seq>
-          </p:childTnLst>
-        </p:cTn>
-      </p:par>
-    </p:tnLst>
-  </p:timing>
-</p:sld>
-</file>
-
-<file path=ppt/slides/slide6.xml><?xml version="1.0" encoding="utf-8"?>
-<p:sld xmlns:a="http://schemas.openxmlformats.org/drawingml/2006/main" xmlns:r="http://schemas.openxmlformats.org/officeDocument/2006/relationships" xmlns:p="http://schemas.openxmlformats.org/presentationml/2006/main">
-  <p:cSld>
-    <p:spTree>
-      <p:nvGrpSpPr>
-        <p:cNvPr id="1" name=""/>
-        <p:cNvGrpSpPr/>
-        <p:nvPr/>
-      </p:nvGrpSpPr>
-      <p:grpSpPr>
-        <a:xfrm>
-          <a:off x="0" y="0"/>
-          <a:ext cx="0" cy="0"/>
-          <a:chOff x="0" y="0"/>
-          <a:chExt cx="0" cy="0"/>
-        </a:xfrm>
-      </p:grpSpPr>
-      <p:sp>
-        <p:nvSpPr>
-          <p:cNvPr id="2" name="Cím 1"/>
-          <p:cNvSpPr>
-            <a:spLocks noGrp="1"/>
-          </p:cNvSpPr>
-          <p:nvPr>
             <p:ph type="title"/>
           </p:nvPr>
         </p:nvSpPr>
@@ -9020,7 +8254,7 @@
 </p:sld>
 </file>
 
-<file path=ppt/slides/slide7.xml><?xml version="1.0" encoding="utf-8"?>
+<file path=ppt/slides/slide6.xml><?xml version="1.0" encoding="utf-8"?>
 <p:sld xmlns:a="http://schemas.openxmlformats.org/drawingml/2006/main" xmlns:r="http://schemas.openxmlformats.org/officeDocument/2006/relationships" xmlns:p="http://schemas.openxmlformats.org/presentationml/2006/main">
   <p:cSld>
     <p:spTree>
@@ -9370,7 +8604,7 @@
 </p:sld>
 </file>
 
-<file path=ppt/slides/slide8.xml><?xml version="1.0" encoding="utf-8"?>
+<file path=ppt/slides/slide7.xml><?xml version="1.0" encoding="utf-8"?>
 <p:sld xmlns:a="http://schemas.openxmlformats.org/drawingml/2006/main" xmlns:r="http://schemas.openxmlformats.org/officeDocument/2006/relationships" xmlns:p="http://schemas.openxmlformats.org/presentationml/2006/main">
   <p:cSld>
     <p:spTree>
@@ -9816,7 +9050,7 @@
 </p:sld>
 </file>
 
-<file path=ppt/slides/slide9.xml><?xml version="1.0" encoding="utf-8"?>
+<file path=ppt/slides/slide8.xml><?xml version="1.0" encoding="utf-8"?>
 <p:sld xmlns:a="http://schemas.openxmlformats.org/drawingml/2006/main" xmlns:r="http://schemas.openxmlformats.org/officeDocument/2006/relationships" xmlns:p="http://schemas.openxmlformats.org/presentationml/2006/main">
   <p:cSld>
     <p:spTree>
@@ -10374,6 +9608,813 @@
                                     <p:anim calcmode="lin" valueType="num">
                                       <p:cBhvr additive="base">
                                         <p:cTn id="24" dur="500" fill="hold"/>
+                                        <p:tgtEl>
+                                          <p:spTgt spid="4"/>
+                                        </p:tgtEl>
+                                        <p:attrNameLst>
+                                          <p:attrName>ppt_y</p:attrName>
+                                        </p:attrNameLst>
+                                      </p:cBhvr>
+                                      <p:tavLst>
+                                        <p:tav tm="0">
+                                          <p:val>
+                                            <p:strVal val="#ppt_y"/>
+                                          </p:val>
+                                        </p:tav>
+                                        <p:tav tm="100000">
+                                          <p:val>
+                                            <p:strVal val="#ppt_y"/>
+                                          </p:val>
+                                        </p:tav>
+                                      </p:tavLst>
+                                    </p:anim>
+                                  </p:childTnLst>
+                                </p:cTn>
+                              </p:par>
+                            </p:childTnLst>
+                          </p:cTn>
+                        </p:par>
+                      </p:childTnLst>
+                    </p:cTn>
+                  </p:par>
+                </p:childTnLst>
+              </p:cTn>
+              <p:prevCondLst>
+                <p:cond evt="onPrev" delay="0">
+                  <p:tgtEl>
+                    <p:sldTgt/>
+                  </p:tgtEl>
+                </p:cond>
+              </p:prevCondLst>
+              <p:nextCondLst>
+                <p:cond evt="onNext" delay="0">
+                  <p:tgtEl>
+                    <p:sldTgt/>
+                  </p:tgtEl>
+                </p:cond>
+              </p:nextCondLst>
+            </p:seq>
+          </p:childTnLst>
+        </p:cTn>
+      </p:par>
+    </p:tnLst>
+  </p:timing>
+</p:sld>
+</file>
+
+<file path=ppt/slides/slide9.xml><?xml version="1.0" encoding="utf-8"?>
+<p:sld xmlns:a="http://schemas.openxmlformats.org/drawingml/2006/main" xmlns:r="http://schemas.openxmlformats.org/officeDocument/2006/relationships" xmlns:p="http://schemas.openxmlformats.org/presentationml/2006/main">
+  <p:cSld>
+    <p:spTree>
+      <p:nvGrpSpPr>
+        <p:cNvPr id="1" name=""/>
+        <p:cNvGrpSpPr/>
+        <p:nvPr/>
+      </p:nvGrpSpPr>
+      <p:grpSpPr>
+        <a:xfrm>
+          <a:off x="0" y="0"/>
+          <a:ext cx="0" cy="0"/>
+          <a:chOff x="0" y="0"/>
+          <a:chExt cx="0" cy="0"/>
+        </a:xfrm>
+      </p:grpSpPr>
+      <p:sp>
+        <p:nvSpPr>
+          <p:cNvPr id="2" name="Cím 1"/>
+          <p:cNvSpPr>
+            <a:spLocks noGrp="1"/>
+          </p:cNvSpPr>
+          <p:nvPr>
+            <p:ph type="title"/>
+          </p:nvPr>
+        </p:nvSpPr>
+        <p:spPr/>
+        <p:txBody>
+          <a:bodyPr/>
+          <a:lstStyle/>
+          <a:p>
+            <a:r>
+              <a:rPr lang="hu-HU" dirty="0" smtClean="0"/>
+              <a:t>Információk</a:t>
+            </a:r>
+            <a:endParaRPr lang="en-US" dirty="0"/>
+          </a:p>
+        </p:txBody>
+      </p:sp>
+      <p:sp>
+        <p:nvSpPr>
+          <p:cNvPr id="9" name="Szövegdoboz 8"/>
+          <p:cNvSpPr txBox="1"/>
+          <p:nvPr/>
+        </p:nvSpPr>
+        <p:spPr>
+          <a:xfrm>
+            <a:off x="922712" y="1690688"/>
+            <a:ext cx="4364183" cy="2308324"/>
+          </a:xfrm>
+          <a:prstGeom prst="rect">
+            <a:avLst/>
+          </a:prstGeom>
+          <a:noFill/>
+        </p:spPr>
+        <p:txBody>
+          <a:bodyPr wrap="square" rtlCol="0">
+            <a:spAutoFit/>
+          </a:bodyPr>
+          <a:lstStyle/>
+          <a:p>
+            <a:r>
+              <a:rPr lang="hu-HU" dirty="0" smtClean="0"/>
+              <a:t>Ezen az </a:t>
+            </a:r>
+            <a:r>
+              <a:rPr lang="hu-HU" dirty="0" err="1" smtClean="0"/>
+              <a:t>aloldalon</a:t>
+            </a:r>
+            <a:r>
+              <a:rPr lang="hu-HU" dirty="0" smtClean="0"/>
+              <a:t> tájékozódhatnak az érdeklődők a szezonális információkról mint:</a:t>
+            </a:r>
+          </a:p>
+          <a:p>
+            <a:r>
+              <a:rPr lang="hu-HU" dirty="0" smtClean="0"/>
+              <a:t> </a:t>
+            </a:r>
+          </a:p>
+          <a:p>
+            <a:pPr marL="285750" indent="-285750">
+              <a:buFont typeface="Wingdings" panose="05000000000000000000" pitchFamily="2" charset="2"/>
+              <a:buChar char="ü"/>
+            </a:pPr>
+            <a:r>
+              <a:rPr lang="hu-HU" dirty="0" smtClean="0"/>
+              <a:t>Jegyárak</a:t>
+            </a:r>
+          </a:p>
+          <a:p>
+            <a:pPr marL="285750" indent="-285750">
+              <a:buFont typeface="Wingdings" panose="05000000000000000000" pitchFamily="2" charset="2"/>
+              <a:buChar char="ü"/>
+            </a:pPr>
+            <a:r>
+              <a:rPr lang="hu-HU" dirty="0" smtClean="0"/>
+              <a:t>Elérhető sípályák</a:t>
+            </a:r>
+          </a:p>
+          <a:p>
+            <a:pPr marL="285750" indent="-285750">
+              <a:buFont typeface="Wingdings" panose="05000000000000000000" pitchFamily="2" charset="2"/>
+              <a:buChar char="ü"/>
+            </a:pPr>
+            <a:r>
+              <a:rPr lang="hu-HU" dirty="0" smtClean="0"/>
+              <a:t>Sípályák adatai (nehézség, szintkülönbség stb.)</a:t>
+            </a:r>
+          </a:p>
+          <a:p>
+            <a:pPr marL="285750" indent="-285750">
+              <a:buFont typeface="Wingdings" panose="05000000000000000000" pitchFamily="2" charset="2"/>
+              <a:buChar char="ü"/>
+            </a:pPr>
+            <a:r>
+              <a:rPr lang="hu-HU" dirty="0" smtClean="0"/>
+              <a:t>Igénybe vehető felvonók</a:t>
+            </a:r>
+            <a:endParaRPr lang="en-US" dirty="0"/>
+          </a:p>
+        </p:txBody>
+      </p:sp>
+      <p:pic>
+        <p:nvPicPr>
+          <p:cNvPr id="4" name="Kép 3"/>
+          <p:cNvPicPr>
+            <a:picLocks noChangeAspect="1"/>
+          </p:cNvPicPr>
+          <p:nvPr/>
+        </p:nvPicPr>
+        <p:blipFill>
+          <a:blip r:embed="rId2"/>
+          <a:stretch>
+            <a:fillRect/>
+          </a:stretch>
+        </p:blipFill>
+        <p:spPr>
+          <a:xfrm>
+            <a:off x="5614700" y="1779822"/>
+            <a:ext cx="6283558" cy="3884382"/>
+          </a:xfrm>
+          <a:prstGeom prst="rect">
+            <a:avLst/>
+          </a:prstGeom>
+        </p:spPr>
+      </p:pic>
+    </p:spTree>
+    <p:extLst>
+      <p:ext uri="{BB962C8B-B14F-4D97-AF65-F5344CB8AC3E}">
+        <p14:creationId xmlns:p14="http://schemas.microsoft.com/office/powerpoint/2010/main" val="3646368001"/>
+      </p:ext>
+    </p:extLst>
+  </p:cSld>
+  <p:clrMapOvr>
+    <a:masterClrMapping/>
+  </p:clrMapOvr>
+  <mc:AlternateContent xmlns:mc="http://schemas.openxmlformats.org/markup-compatibility/2006" xmlns:p14="http://schemas.microsoft.com/office/powerpoint/2010/main">
+    <mc:Choice Requires="p14">
+      <p:transition spd="slow" p14:dur="2000">
+        <p:pull/>
+      </p:transition>
+    </mc:Choice>
+    <mc:Fallback xmlns="">
+      <p:transition spd="slow">
+        <p:pull/>
+      </p:transition>
+    </mc:Fallback>
+  </mc:AlternateContent>
+  <p:timing>
+    <p:tnLst>
+      <p:par>
+        <p:cTn id="1" dur="indefinite" restart="never" nodeType="tmRoot">
+          <p:childTnLst>
+            <p:seq concurrent="1" nextAc="seek">
+              <p:cTn id="2" dur="indefinite" nodeType="mainSeq">
+                <p:childTnLst>
+                  <p:par>
+                    <p:cTn id="3" fill="hold">
+                      <p:stCondLst>
+                        <p:cond delay="indefinite"/>
+                        <p:cond evt="onBegin" delay="0">
+                          <p:tn val="2"/>
+                        </p:cond>
+                      </p:stCondLst>
+                      <p:childTnLst>
+                        <p:par>
+                          <p:cTn id="4" fill="hold">
+                            <p:stCondLst>
+                              <p:cond delay="0"/>
+                            </p:stCondLst>
+                            <p:childTnLst>
+                              <p:par>
+                                <p:cTn id="5" presetID="2" presetClass="entr" presetSubtype="8" fill="hold" nodeType="withEffect">
+                                  <p:stCondLst>
+                                    <p:cond delay="500"/>
+                                  </p:stCondLst>
+                                  <p:childTnLst>
+                                    <p:set>
+                                      <p:cBhvr>
+                                        <p:cTn id="6" dur="1" fill="hold">
+                                          <p:stCondLst>
+                                            <p:cond delay="0"/>
+                                          </p:stCondLst>
+                                        </p:cTn>
+                                        <p:tgtEl>
+                                          <p:spTgt spid="9">
+                                            <p:txEl>
+                                              <p:pRg st="0" end="0"/>
+                                            </p:txEl>
+                                          </p:spTgt>
+                                        </p:tgtEl>
+                                        <p:attrNameLst>
+                                          <p:attrName>style.visibility</p:attrName>
+                                        </p:attrNameLst>
+                                      </p:cBhvr>
+                                      <p:to>
+                                        <p:strVal val="visible"/>
+                                      </p:to>
+                                    </p:set>
+                                    <p:anim calcmode="lin" valueType="num">
+                                      <p:cBhvr additive="base">
+                                        <p:cTn id="7" dur="500" fill="hold"/>
+                                        <p:tgtEl>
+                                          <p:spTgt spid="9">
+                                            <p:txEl>
+                                              <p:pRg st="0" end="0"/>
+                                            </p:txEl>
+                                          </p:spTgt>
+                                        </p:tgtEl>
+                                        <p:attrNameLst>
+                                          <p:attrName>ppt_x</p:attrName>
+                                        </p:attrNameLst>
+                                      </p:cBhvr>
+                                      <p:tavLst>
+                                        <p:tav tm="0">
+                                          <p:val>
+                                            <p:strVal val="0-#ppt_w/2"/>
+                                          </p:val>
+                                        </p:tav>
+                                        <p:tav tm="100000">
+                                          <p:val>
+                                            <p:strVal val="#ppt_x"/>
+                                          </p:val>
+                                        </p:tav>
+                                      </p:tavLst>
+                                    </p:anim>
+                                    <p:anim calcmode="lin" valueType="num">
+                                      <p:cBhvr additive="base">
+                                        <p:cTn id="8" dur="500" fill="hold"/>
+                                        <p:tgtEl>
+                                          <p:spTgt spid="9">
+                                            <p:txEl>
+                                              <p:pRg st="0" end="0"/>
+                                            </p:txEl>
+                                          </p:spTgt>
+                                        </p:tgtEl>
+                                        <p:attrNameLst>
+                                          <p:attrName>ppt_y</p:attrName>
+                                        </p:attrNameLst>
+                                      </p:cBhvr>
+                                      <p:tavLst>
+                                        <p:tav tm="0">
+                                          <p:val>
+                                            <p:strVal val="#ppt_y"/>
+                                          </p:val>
+                                        </p:tav>
+                                        <p:tav tm="100000">
+                                          <p:val>
+                                            <p:strVal val="#ppt_y"/>
+                                          </p:val>
+                                        </p:tav>
+                                      </p:tavLst>
+                                    </p:anim>
+                                  </p:childTnLst>
+                                </p:cTn>
+                              </p:par>
+                              <p:par>
+                                <p:cTn id="9" presetID="2" presetClass="entr" presetSubtype="8" fill="hold" nodeType="withEffect">
+                                  <p:stCondLst>
+                                    <p:cond delay="500"/>
+                                  </p:stCondLst>
+                                  <p:childTnLst>
+                                    <p:set>
+                                      <p:cBhvr>
+                                        <p:cTn id="10" dur="1" fill="hold">
+                                          <p:stCondLst>
+                                            <p:cond delay="0"/>
+                                          </p:stCondLst>
+                                        </p:cTn>
+                                        <p:tgtEl>
+                                          <p:spTgt spid="9">
+                                            <p:txEl>
+                                              <p:pRg st="1" end="1"/>
+                                            </p:txEl>
+                                          </p:spTgt>
+                                        </p:tgtEl>
+                                        <p:attrNameLst>
+                                          <p:attrName>style.visibility</p:attrName>
+                                        </p:attrNameLst>
+                                      </p:cBhvr>
+                                      <p:to>
+                                        <p:strVal val="visible"/>
+                                      </p:to>
+                                    </p:set>
+                                    <p:anim calcmode="lin" valueType="num">
+                                      <p:cBhvr additive="base">
+                                        <p:cTn id="11" dur="500" fill="hold"/>
+                                        <p:tgtEl>
+                                          <p:spTgt spid="9">
+                                            <p:txEl>
+                                              <p:pRg st="1" end="1"/>
+                                            </p:txEl>
+                                          </p:spTgt>
+                                        </p:tgtEl>
+                                        <p:attrNameLst>
+                                          <p:attrName>ppt_x</p:attrName>
+                                        </p:attrNameLst>
+                                      </p:cBhvr>
+                                      <p:tavLst>
+                                        <p:tav tm="0">
+                                          <p:val>
+                                            <p:strVal val="0-#ppt_w/2"/>
+                                          </p:val>
+                                        </p:tav>
+                                        <p:tav tm="100000">
+                                          <p:val>
+                                            <p:strVal val="#ppt_x"/>
+                                          </p:val>
+                                        </p:tav>
+                                      </p:tavLst>
+                                    </p:anim>
+                                    <p:anim calcmode="lin" valueType="num">
+                                      <p:cBhvr additive="base">
+                                        <p:cTn id="12" dur="500" fill="hold"/>
+                                        <p:tgtEl>
+                                          <p:spTgt spid="9">
+                                            <p:txEl>
+                                              <p:pRg st="1" end="1"/>
+                                            </p:txEl>
+                                          </p:spTgt>
+                                        </p:tgtEl>
+                                        <p:attrNameLst>
+                                          <p:attrName>ppt_y</p:attrName>
+                                        </p:attrNameLst>
+                                      </p:cBhvr>
+                                      <p:tavLst>
+                                        <p:tav tm="0">
+                                          <p:val>
+                                            <p:strVal val="#ppt_y"/>
+                                          </p:val>
+                                        </p:tav>
+                                        <p:tav tm="100000">
+                                          <p:val>
+                                            <p:strVal val="#ppt_y"/>
+                                          </p:val>
+                                        </p:tav>
+                                      </p:tavLst>
+                                    </p:anim>
+                                  </p:childTnLst>
+                                </p:cTn>
+                              </p:par>
+                              <p:par>
+                                <p:cTn id="13" presetID="2" presetClass="entr" presetSubtype="8" fill="hold" nodeType="withEffect">
+                                  <p:stCondLst>
+                                    <p:cond delay="500"/>
+                                  </p:stCondLst>
+                                  <p:childTnLst>
+                                    <p:set>
+                                      <p:cBhvr>
+                                        <p:cTn id="14" dur="1" fill="hold">
+                                          <p:stCondLst>
+                                            <p:cond delay="0"/>
+                                          </p:stCondLst>
+                                        </p:cTn>
+                                        <p:tgtEl>
+                                          <p:spTgt spid="9">
+                                            <p:txEl>
+                                              <p:pRg st="2" end="2"/>
+                                            </p:txEl>
+                                          </p:spTgt>
+                                        </p:tgtEl>
+                                        <p:attrNameLst>
+                                          <p:attrName>style.visibility</p:attrName>
+                                        </p:attrNameLst>
+                                      </p:cBhvr>
+                                      <p:to>
+                                        <p:strVal val="visible"/>
+                                      </p:to>
+                                    </p:set>
+                                    <p:anim calcmode="lin" valueType="num">
+                                      <p:cBhvr additive="base">
+                                        <p:cTn id="15" dur="500" fill="hold"/>
+                                        <p:tgtEl>
+                                          <p:spTgt spid="9">
+                                            <p:txEl>
+                                              <p:pRg st="2" end="2"/>
+                                            </p:txEl>
+                                          </p:spTgt>
+                                        </p:tgtEl>
+                                        <p:attrNameLst>
+                                          <p:attrName>ppt_x</p:attrName>
+                                        </p:attrNameLst>
+                                      </p:cBhvr>
+                                      <p:tavLst>
+                                        <p:tav tm="0">
+                                          <p:val>
+                                            <p:strVal val="0-#ppt_w/2"/>
+                                          </p:val>
+                                        </p:tav>
+                                        <p:tav tm="100000">
+                                          <p:val>
+                                            <p:strVal val="#ppt_x"/>
+                                          </p:val>
+                                        </p:tav>
+                                      </p:tavLst>
+                                    </p:anim>
+                                    <p:anim calcmode="lin" valueType="num">
+                                      <p:cBhvr additive="base">
+                                        <p:cTn id="16" dur="500" fill="hold"/>
+                                        <p:tgtEl>
+                                          <p:spTgt spid="9">
+                                            <p:txEl>
+                                              <p:pRg st="2" end="2"/>
+                                            </p:txEl>
+                                          </p:spTgt>
+                                        </p:tgtEl>
+                                        <p:attrNameLst>
+                                          <p:attrName>ppt_y</p:attrName>
+                                        </p:attrNameLst>
+                                      </p:cBhvr>
+                                      <p:tavLst>
+                                        <p:tav tm="0">
+                                          <p:val>
+                                            <p:strVal val="#ppt_y"/>
+                                          </p:val>
+                                        </p:tav>
+                                        <p:tav tm="100000">
+                                          <p:val>
+                                            <p:strVal val="#ppt_y"/>
+                                          </p:val>
+                                        </p:tav>
+                                      </p:tavLst>
+                                    </p:anim>
+                                  </p:childTnLst>
+                                </p:cTn>
+                              </p:par>
+                              <p:par>
+                                <p:cTn id="17" presetID="2" presetClass="entr" presetSubtype="8" fill="hold" nodeType="withEffect">
+                                  <p:stCondLst>
+                                    <p:cond delay="500"/>
+                                  </p:stCondLst>
+                                  <p:childTnLst>
+                                    <p:set>
+                                      <p:cBhvr>
+                                        <p:cTn id="18" dur="1" fill="hold">
+                                          <p:stCondLst>
+                                            <p:cond delay="0"/>
+                                          </p:stCondLst>
+                                        </p:cTn>
+                                        <p:tgtEl>
+                                          <p:spTgt spid="9">
+                                            <p:txEl>
+                                              <p:pRg st="3" end="3"/>
+                                            </p:txEl>
+                                          </p:spTgt>
+                                        </p:tgtEl>
+                                        <p:attrNameLst>
+                                          <p:attrName>style.visibility</p:attrName>
+                                        </p:attrNameLst>
+                                      </p:cBhvr>
+                                      <p:to>
+                                        <p:strVal val="visible"/>
+                                      </p:to>
+                                    </p:set>
+                                    <p:anim calcmode="lin" valueType="num">
+                                      <p:cBhvr additive="base">
+                                        <p:cTn id="19" dur="500" fill="hold"/>
+                                        <p:tgtEl>
+                                          <p:spTgt spid="9">
+                                            <p:txEl>
+                                              <p:pRg st="3" end="3"/>
+                                            </p:txEl>
+                                          </p:spTgt>
+                                        </p:tgtEl>
+                                        <p:attrNameLst>
+                                          <p:attrName>ppt_x</p:attrName>
+                                        </p:attrNameLst>
+                                      </p:cBhvr>
+                                      <p:tavLst>
+                                        <p:tav tm="0">
+                                          <p:val>
+                                            <p:strVal val="0-#ppt_w/2"/>
+                                          </p:val>
+                                        </p:tav>
+                                        <p:tav tm="100000">
+                                          <p:val>
+                                            <p:strVal val="#ppt_x"/>
+                                          </p:val>
+                                        </p:tav>
+                                      </p:tavLst>
+                                    </p:anim>
+                                    <p:anim calcmode="lin" valueType="num">
+                                      <p:cBhvr additive="base">
+                                        <p:cTn id="20" dur="500" fill="hold"/>
+                                        <p:tgtEl>
+                                          <p:spTgt spid="9">
+                                            <p:txEl>
+                                              <p:pRg st="3" end="3"/>
+                                            </p:txEl>
+                                          </p:spTgt>
+                                        </p:tgtEl>
+                                        <p:attrNameLst>
+                                          <p:attrName>ppt_y</p:attrName>
+                                        </p:attrNameLst>
+                                      </p:cBhvr>
+                                      <p:tavLst>
+                                        <p:tav tm="0">
+                                          <p:val>
+                                            <p:strVal val="#ppt_y"/>
+                                          </p:val>
+                                        </p:tav>
+                                        <p:tav tm="100000">
+                                          <p:val>
+                                            <p:strVal val="#ppt_y"/>
+                                          </p:val>
+                                        </p:tav>
+                                      </p:tavLst>
+                                    </p:anim>
+                                  </p:childTnLst>
+                                </p:cTn>
+                              </p:par>
+                              <p:par>
+                                <p:cTn id="21" presetID="2" presetClass="entr" presetSubtype="8" fill="hold" nodeType="withEffect">
+                                  <p:stCondLst>
+                                    <p:cond delay="500"/>
+                                  </p:stCondLst>
+                                  <p:childTnLst>
+                                    <p:set>
+                                      <p:cBhvr>
+                                        <p:cTn id="22" dur="1" fill="hold">
+                                          <p:stCondLst>
+                                            <p:cond delay="0"/>
+                                          </p:stCondLst>
+                                        </p:cTn>
+                                        <p:tgtEl>
+                                          <p:spTgt spid="9">
+                                            <p:txEl>
+                                              <p:pRg st="4" end="4"/>
+                                            </p:txEl>
+                                          </p:spTgt>
+                                        </p:tgtEl>
+                                        <p:attrNameLst>
+                                          <p:attrName>style.visibility</p:attrName>
+                                        </p:attrNameLst>
+                                      </p:cBhvr>
+                                      <p:to>
+                                        <p:strVal val="visible"/>
+                                      </p:to>
+                                    </p:set>
+                                    <p:anim calcmode="lin" valueType="num">
+                                      <p:cBhvr additive="base">
+                                        <p:cTn id="23" dur="500" fill="hold"/>
+                                        <p:tgtEl>
+                                          <p:spTgt spid="9">
+                                            <p:txEl>
+                                              <p:pRg st="4" end="4"/>
+                                            </p:txEl>
+                                          </p:spTgt>
+                                        </p:tgtEl>
+                                        <p:attrNameLst>
+                                          <p:attrName>ppt_x</p:attrName>
+                                        </p:attrNameLst>
+                                      </p:cBhvr>
+                                      <p:tavLst>
+                                        <p:tav tm="0">
+                                          <p:val>
+                                            <p:strVal val="0-#ppt_w/2"/>
+                                          </p:val>
+                                        </p:tav>
+                                        <p:tav tm="100000">
+                                          <p:val>
+                                            <p:strVal val="#ppt_x"/>
+                                          </p:val>
+                                        </p:tav>
+                                      </p:tavLst>
+                                    </p:anim>
+                                    <p:anim calcmode="lin" valueType="num">
+                                      <p:cBhvr additive="base">
+                                        <p:cTn id="24" dur="500" fill="hold"/>
+                                        <p:tgtEl>
+                                          <p:spTgt spid="9">
+                                            <p:txEl>
+                                              <p:pRg st="4" end="4"/>
+                                            </p:txEl>
+                                          </p:spTgt>
+                                        </p:tgtEl>
+                                        <p:attrNameLst>
+                                          <p:attrName>ppt_y</p:attrName>
+                                        </p:attrNameLst>
+                                      </p:cBhvr>
+                                      <p:tavLst>
+                                        <p:tav tm="0">
+                                          <p:val>
+                                            <p:strVal val="#ppt_y"/>
+                                          </p:val>
+                                        </p:tav>
+                                        <p:tav tm="100000">
+                                          <p:val>
+                                            <p:strVal val="#ppt_y"/>
+                                          </p:val>
+                                        </p:tav>
+                                      </p:tavLst>
+                                    </p:anim>
+                                  </p:childTnLst>
+                                </p:cTn>
+                              </p:par>
+                              <p:par>
+                                <p:cTn id="25" presetID="2" presetClass="entr" presetSubtype="8" fill="hold" nodeType="withEffect">
+                                  <p:stCondLst>
+                                    <p:cond delay="500"/>
+                                  </p:stCondLst>
+                                  <p:childTnLst>
+                                    <p:set>
+                                      <p:cBhvr>
+                                        <p:cTn id="26" dur="1" fill="hold">
+                                          <p:stCondLst>
+                                            <p:cond delay="0"/>
+                                          </p:stCondLst>
+                                        </p:cTn>
+                                        <p:tgtEl>
+                                          <p:spTgt spid="9">
+                                            <p:txEl>
+                                              <p:pRg st="5" end="5"/>
+                                            </p:txEl>
+                                          </p:spTgt>
+                                        </p:tgtEl>
+                                        <p:attrNameLst>
+                                          <p:attrName>style.visibility</p:attrName>
+                                        </p:attrNameLst>
+                                      </p:cBhvr>
+                                      <p:to>
+                                        <p:strVal val="visible"/>
+                                      </p:to>
+                                    </p:set>
+                                    <p:anim calcmode="lin" valueType="num">
+                                      <p:cBhvr additive="base">
+                                        <p:cTn id="27" dur="500" fill="hold"/>
+                                        <p:tgtEl>
+                                          <p:spTgt spid="9">
+                                            <p:txEl>
+                                              <p:pRg st="5" end="5"/>
+                                            </p:txEl>
+                                          </p:spTgt>
+                                        </p:tgtEl>
+                                        <p:attrNameLst>
+                                          <p:attrName>ppt_x</p:attrName>
+                                        </p:attrNameLst>
+                                      </p:cBhvr>
+                                      <p:tavLst>
+                                        <p:tav tm="0">
+                                          <p:val>
+                                            <p:strVal val="0-#ppt_w/2"/>
+                                          </p:val>
+                                        </p:tav>
+                                        <p:tav tm="100000">
+                                          <p:val>
+                                            <p:strVal val="#ppt_x"/>
+                                          </p:val>
+                                        </p:tav>
+                                      </p:tavLst>
+                                    </p:anim>
+                                    <p:anim calcmode="lin" valueType="num">
+                                      <p:cBhvr additive="base">
+                                        <p:cTn id="28" dur="500" fill="hold"/>
+                                        <p:tgtEl>
+                                          <p:spTgt spid="9">
+                                            <p:txEl>
+                                              <p:pRg st="5" end="5"/>
+                                            </p:txEl>
+                                          </p:spTgt>
+                                        </p:tgtEl>
+                                        <p:attrNameLst>
+                                          <p:attrName>ppt_y</p:attrName>
+                                        </p:attrNameLst>
+                                      </p:cBhvr>
+                                      <p:tavLst>
+                                        <p:tav tm="0">
+                                          <p:val>
+                                            <p:strVal val="#ppt_y"/>
+                                          </p:val>
+                                        </p:tav>
+                                        <p:tav tm="100000">
+                                          <p:val>
+                                            <p:strVal val="#ppt_y"/>
+                                          </p:val>
+                                        </p:tav>
+                                      </p:tavLst>
+                                    </p:anim>
+                                  </p:childTnLst>
+                                </p:cTn>
+                              </p:par>
+                              <p:par>
+                                <p:cTn id="29" presetID="2" presetClass="entr" presetSubtype="2" fill="hold" nodeType="withEffect">
+                                  <p:stCondLst>
+                                    <p:cond delay="500"/>
+                                  </p:stCondLst>
+                                  <p:childTnLst>
+                                    <p:set>
+                                      <p:cBhvr>
+                                        <p:cTn id="30" dur="1" fill="hold">
+                                          <p:stCondLst>
+                                            <p:cond delay="0"/>
+                                          </p:stCondLst>
+                                        </p:cTn>
+                                        <p:tgtEl>
+                                          <p:spTgt spid="4"/>
+                                        </p:tgtEl>
+                                        <p:attrNameLst>
+                                          <p:attrName>style.visibility</p:attrName>
+                                        </p:attrNameLst>
+                                      </p:cBhvr>
+                                      <p:to>
+                                        <p:strVal val="visible"/>
+                                      </p:to>
+                                    </p:set>
+                                    <p:anim calcmode="lin" valueType="num">
+                                      <p:cBhvr additive="base">
+                                        <p:cTn id="31" dur="500" fill="hold"/>
+                                        <p:tgtEl>
+                                          <p:spTgt spid="4"/>
+                                        </p:tgtEl>
+                                        <p:attrNameLst>
+                                          <p:attrName>ppt_x</p:attrName>
+                                        </p:attrNameLst>
+                                      </p:cBhvr>
+                                      <p:tavLst>
+                                        <p:tav tm="0">
+                                          <p:val>
+                                            <p:strVal val="1+#ppt_w/2"/>
+                                          </p:val>
+                                        </p:tav>
+                                        <p:tav tm="100000">
+                                          <p:val>
+                                            <p:strVal val="#ppt_x"/>
+                                          </p:val>
+                                        </p:tav>
+                                      </p:tavLst>
+                                    </p:anim>
+                                    <p:anim calcmode="lin" valueType="num">
+                                      <p:cBhvr additive="base">
+                                        <p:cTn id="32" dur="500" fill="hold"/>
                                         <p:tgtEl>
                                           <p:spTgt spid="4"/>
                                         </p:tgtEl>
